--- a/resource/MiniGameMaker.pptx
+++ b/resource/MiniGameMaker.pptx
@@ -7,6 +7,7 @@
   <p:sldIdLst>
     <p:sldId id="256" r:id="rId2"/>
     <p:sldId id="257" r:id="rId3"/>
+    <p:sldId id="258" r:id="rId4"/>
   </p:sldIdLst>
   <p:sldSz cx="12192000" cy="6858000"/>
   <p:notesSz cx="6858000" cy="9144000"/>
@@ -260,7 +261,7 @@
           <a:p>
             <a:fld id="{68DD77C6-9199-49BA-BC71-D4B35AFBC7B4}" type="datetimeFigureOut">
               <a:rPr lang="ko-KR" altLang="en-US" smtClean="0"/>
-              <a:t>2021-06-06 Sun</a:t>
+              <a:t>2021-09-12</a:t>
             </a:fld>
             <a:endParaRPr lang="ko-KR" altLang="en-US"/>
           </a:p>
@@ -458,7 +459,7 @@
           <a:p>
             <a:fld id="{68DD77C6-9199-49BA-BC71-D4B35AFBC7B4}" type="datetimeFigureOut">
               <a:rPr lang="ko-KR" altLang="en-US" smtClean="0"/>
-              <a:t>2021-06-06 Sun</a:t>
+              <a:t>2021-09-12</a:t>
             </a:fld>
             <a:endParaRPr lang="ko-KR" altLang="en-US"/>
           </a:p>
@@ -666,7 +667,7 @@
           <a:p>
             <a:fld id="{68DD77C6-9199-49BA-BC71-D4B35AFBC7B4}" type="datetimeFigureOut">
               <a:rPr lang="ko-KR" altLang="en-US" smtClean="0"/>
-              <a:t>2021-06-06 Sun</a:t>
+              <a:t>2021-09-12</a:t>
             </a:fld>
             <a:endParaRPr lang="ko-KR" altLang="en-US"/>
           </a:p>
@@ -864,7 +865,7 @@
           <a:p>
             <a:fld id="{68DD77C6-9199-49BA-BC71-D4B35AFBC7B4}" type="datetimeFigureOut">
               <a:rPr lang="ko-KR" altLang="en-US" smtClean="0"/>
-              <a:t>2021-06-06 Sun</a:t>
+              <a:t>2021-09-12</a:t>
             </a:fld>
             <a:endParaRPr lang="ko-KR" altLang="en-US"/>
           </a:p>
@@ -1139,7 +1140,7 @@
           <a:p>
             <a:fld id="{68DD77C6-9199-49BA-BC71-D4B35AFBC7B4}" type="datetimeFigureOut">
               <a:rPr lang="ko-KR" altLang="en-US" smtClean="0"/>
-              <a:t>2021-06-06 Sun</a:t>
+              <a:t>2021-09-12</a:t>
             </a:fld>
             <a:endParaRPr lang="ko-KR" altLang="en-US"/>
           </a:p>
@@ -1404,7 +1405,7 @@
           <a:p>
             <a:fld id="{68DD77C6-9199-49BA-BC71-D4B35AFBC7B4}" type="datetimeFigureOut">
               <a:rPr lang="ko-KR" altLang="en-US" smtClean="0"/>
-              <a:t>2021-06-06 Sun</a:t>
+              <a:t>2021-09-12</a:t>
             </a:fld>
             <a:endParaRPr lang="ko-KR" altLang="en-US"/>
           </a:p>
@@ -1816,7 +1817,7 @@
           <a:p>
             <a:fld id="{68DD77C6-9199-49BA-BC71-D4B35AFBC7B4}" type="datetimeFigureOut">
               <a:rPr lang="ko-KR" altLang="en-US" smtClean="0"/>
-              <a:t>2021-06-06 Sun</a:t>
+              <a:t>2021-09-12</a:t>
             </a:fld>
             <a:endParaRPr lang="ko-KR" altLang="en-US"/>
           </a:p>
@@ -1957,7 +1958,7 @@
           <a:p>
             <a:fld id="{68DD77C6-9199-49BA-BC71-D4B35AFBC7B4}" type="datetimeFigureOut">
               <a:rPr lang="ko-KR" altLang="en-US" smtClean="0"/>
-              <a:t>2021-06-06 Sun</a:t>
+              <a:t>2021-09-12</a:t>
             </a:fld>
             <a:endParaRPr lang="ko-KR" altLang="en-US"/>
           </a:p>
@@ -2070,7 +2071,7 @@
           <a:p>
             <a:fld id="{68DD77C6-9199-49BA-BC71-D4B35AFBC7B4}" type="datetimeFigureOut">
               <a:rPr lang="ko-KR" altLang="en-US" smtClean="0"/>
-              <a:t>2021-06-06 Sun</a:t>
+              <a:t>2021-09-12</a:t>
             </a:fld>
             <a:endParaRPr lang="ko-KR" altLang="en-US"/>
           </a:p>
@@ -2381,7 +2382,7 @@
           <a:p>
             <a:fld id="{68DD77C6-9199-49BA-BC71-D4B35AFBC7B4}" type="datetimeFigureOut">
               <a:rPr lang="ko-KR" altLang="en-US" smtClean="0"/>
-              <a:t>2021-06-06 Sun</a:t>
+              <a:t>2021-09-12</a:t>
             </a:fld>
             <a:endParaRPr lang="ko-KR" altLang="en-US"/>
           </a:p>
@@ -2669,7 +2670,7 @@
           <a:p>
             <a:fld id="{68DD77C6-9199-49BA-BC71-D4B35AFBC7B4}" type="datetimeFigureOut">
               <a:rPr lang="ko-KR" altLang="en-US" smtClean="0"/>
-              <a:t>2021-06-06 Sun</a:t>
+              <a:t>2021-09-12</a:t>
             </a:fld>
             <a:endParaRPr lang="ko-KR" altLang="en-US"/>
           </a:p>
@@ -2910,7 +2911,7 @@
           <a:p>
             <a:fld id="{68DD77C6-9199-49BA-BC71-D4B35AFBC7B4}" type="datetimeFigureOut">
               <a:rPr lang="ko-KR" altLang="en-US" smtClean="0"/>
-              <a:t>2021-06-06 Sun</a:t>
+              <a:t>2021-09-12</a:t>
             </a:fld>
             <a:endParaRPr lang="ko-KR" altLang="en-US"/>
           </a:p>
@@ -3313,6 +3314,14 @@
 <file path=ppt/slides/slide1.xml><?xml version="1.0" encoding="utf-8"?>
 <p:sld xmlns:a="http://schemas.openxmlformats.org/drawingml/2006/main" xmlns:r="http://schemas.openxmlformats.org/officeDocument/2006/relationships" xmlns:p="http://schemas.openxmlformats.org/presentationml/2006/main">
   <p:cSld>
+    <p:bg>
+      <p:bgPr>
+        <a:solidFill>
+          <a:schemeClr val="tx1"/>
+        </a:solidFill>
+        <a:effectLst/>
+      </p:bgPr>
+    </p:bg>
     <p:spTree>
       <p:nvGrpSpPr>
         <p:cNvPr id="1" name=""/>
@@ -3341,7 +3350,7 @@
         </p:nvSpPr>
         <p:spPr>
           <a:xfrm>
-            <a:off x="1268603" y="86585"/>
+            <a:off x="2964881" y="190487"/>
             <a:ext cx="5999583" cy="1323439"/>
           </a:xfrm>
           <a:prstGeom prst="rect">
@@ -3357,11 +3366,19 @@
           <a:p>
             <a:pPr algn="ctr"/>
             <a:r>
-              <a:rPr lang="en-US" altLang="ko-KR" sz="8000" b="1" dirty="0"/>
+              <a:rPr lang="en-US" altLang="ko-KR" sz="8000" b="1" dirty="0">
+                <a:solidFill>
+                  <a:schemeClr val="bg1"/>
+                </a:solidFill>
+              </a:rPr>
               <a:t>Paper </a:t>
             </a:r>
             <a:r>
-              <a:rPr lang="ko-KR" altLang="en-US" sz="8000" b="1" dirty="0"/>
+              <a:rPr lang="ko-KR" altLang="en-US" sz="8000" b="1" dirty="0">
+                <a:solidFill>
+                  <a:schemeClr val="bg1"/>
+                </a:solidFill>
+              </a:rPr>
               <a:t>버킷</a:t>
             </a:r>
           </a:p>
@@ -3381,7 +3398,7 @@
         </p:nvSpPr>
         <p:spPr>
           <a:xfrm>
-            <a:off x="2005721" y="2344583"/>
+            <a:off x="4218834" y="2636131"/>
             <a:ext cx="3778898" cy="1200329"/>
           </a:xfrm>
           <a:prstGeom prst="rect">
@@ -3397,19 +3414,35 @@
           <a:p>
             <a:pPr algn="ctr"/>
             <a:r>
-              <a:rPr lang="en-US" altLang="ko-KR" sz="3600" b="1" dirty="0" err="1"/>
+              <a:rPr lang="en-US" altLang="ko-KR" sz="3600" b="1" dirty="0" err="1">
+                <a:solidFill>
+                  <a:schemeClr val="bg1"/>
+                </a:solidFill>
+              </a:rPr>
               <a:t>MiniGameMaker</a:t>
             </a:r>
             <a:r>
-              <a:rPr lang="ko-KR" altLang="en-US" sz="3600" b="1" dirty="0"/>
+              <a:rPr lang="ko-KR" altLang="en-US" sz="3600" b="1" dirty="0">
+                <a:solidFill>
+                  <a:schemeClr val="bg1"/>
+                </a:solidFill>
+              </a:rPr>
               <a:t> </a:t>
             </a:r>
-            <a:endParaRPr lang="en-US" altLang="ko-KR" sz="3600" b="1" dirty="0"/>
+            <a:endParaRPr lang="en-US" altLang="ko-KR" sz="3600" b="1" dirty="0">
+              <a:solidFill>
+                <a:schemeClr val="bg1"/>
+              </a:solidFill>
+            </a:endParaRPr>
           </a:p>
           <a:p>
             <a:pPr algn="ctr"/>
             <a:r>
-              <a:rPr lang="ko-KR" altLang="en-US" sz="3600" dirty="0"/>
+              <a:rPr lang="ko-KR" altLang="en-US" sz="3600" dirty="0">
+                <a:solidFill>
+                  <a:schemeClr val="bg1"/>
+                </a:solidFill>
+              </a:rPr>
               <a:t>플러그인</a:t>
             </a:r>
           </a:p>
@@ -3429,7 +3462,7 @@
         </p:nvSpPr>
         <p:spPr>
           <a:xfrm>
-            <a:off x="305994" y="4465883"/>
+            <a:off x="2519107" y="4757431"/>
             <a:ext cx="2206690" cy="954107"/>
           </a:xfrm>
           <a:prstGeom prst="rect">
@@ -3445,15 +3478,27 @@
           <a:p>
             <a:pPr algn="ctr"/>
             <a:r>
-              <a:rPr lang="en-US" altLang="ko-KR" sz="2800" b="1" dirty="0" err="1"/>
+              <a:rPr lang="en-US" altLang="ko-KR" sz="2800" b="1" dirty="0" err="1">
+                <a:solidFill>
+                  <a:schemeClr val="bg1"/>
+                </a:solidFill>
+              </a:rPr>
               <a:t>MiniGameA</a:t>
             </a:r>
             <a:r>
-              <a:rPr lang="en-US" altLang="ko-KR" sz="2800" dirty="0"/>
+              <a:rPr lang="en-US" altLang="ko-KR" sz="2800" dirty="0">
+                <a:solidFill>
+                  <a:schemeClr val="bg1"/>
+                </a:solidFill>
+              </a:rPr>
               <a:t> </a:t>
             </a:r>
             <a:r>
-              <a:rPr lang="ko-KR" altLang="en-US" sz="2800" dirty="0"/>
+              <a:rPr lang="ko-KR" altLang="en-US" sz="2800" dirty="0">
+                <a:solidFill>
+                  <a:schemeClr val="bg1"/>
+                </a:solidFill>
+              </a:rPr>
               <a:t>플러그인</a:t>
             </a:r>
           </a:p>
@@ -3473,7 +3518,7 @@
         </p:nvSpPr>
         <p:spPr>
           <a:xfrm>
-            <a:off x="2791825" y="4479471"/>
+            <a:off x="5004938" y="4771019"/>
             <a:ext cx="2206690" cy="954107"/>
           </a:xfrm>
           <a:prstGeom prst="rect">
@@ -3489,15 +3534,27 @@
           <a:p>
             <a:pPr algn="ctr"/>
             <a:r>
-              <a:rPr lang="en-US" altLang="ko-KR" sz="2800" b="1" dirty="0" err="1"/>
+              <a:rPr lang="en-US" altLang="ko-KR" sz="2800" b="1" dirty="0" err="1">
+                <a:solidFill>
+                  <a:schemeClr val="bg1"/>
+                </a:solidFill>
+              </a:rPr>
               <a:t>MiniGameB</a:t>
             </a:r>
             <a:r>
-              <a:rPr lang="en-US" altLang="ko-KR" sz="2800" u="sng" dirty="0"/>
+              <a:rPr lang="en-US" altLang="ko-KR" sz="2800" u="sng" dirty="0">
+                <a:solidFill>
+                  <a:schemeClr val="bg1"/>
+                </a:solidFill>
+              </a:rPr>
               <a:t> </a:t>
             </a:r>
             <a:r>
-              <a:rPr lang="ko-KR" altLang="en-US" sz="2800" dirty="0"/>
+              <a:rPr lang="ko-KR" altLang="en-US" sz="2800" dirty="0">
+                <a:solidFill>
+                  <a:schemeClr val="bg1"/>
+                </a:solidFill>
+              </a:rPr>
               <a:t>플러그인</a:t>
             </a:r>
           </a:p>
@@ -3517,7 +3574,7 @@
         </p:nvSpPr>
         <p:spPr>
           <a:xfrm>
-            <a:off x="5355411" y="4465883"/>
+            <a:off x="7568524" y="4757431"/>
             <a:ext cx="2206690" cy="954107"/>
           </a:xfrm>
           <a:prstGeom prst="rect">
@@ -3533,15 +3590,27 @@
           <a:p>
             <a:pPr algn="ctr"/>
             <a:r>
-              <a:rPr lang="en-US" altLang="ko-KR" sz="2800" b="1" dirty="0" err="1"/>
+              <a:rPr lang="en-US" altLang="ko-KR" sz="2800" b="1" dirty="0" err="1">
+                <a:solidFill>
+                  <a:schemeClr val="bg1"/>
+                </a:solidFill>
+              </a:rPr>
               <a:t>MiniGameC</a:t>
             </a:r>
             <a:r>
-              <a:rPr lang="en-US" altLang="ko-KR" sz="2800" b="1" dirty="0"/>
+              <a:rPr lang="en-US" altLang="ko-KR" sz="2800" b="1" dirty="0">
+                <a:solidFill>
+                  <a:schemeClr val="bg1"/>
+                </a:solidFill>
+              </a:rPr>
               <a:t> </a:t>
             </a:r>
             <a:r>
-              <a:rPr lang="ko-KR" altLang="en-US" sz="2800" dirty="0"/>
+              <a:rPr lang="ko-KR" altLang="en-US" sz="2800" dirty="0">
+                <a:solidFill>
+                  <a:schemeClr val="bg1"/>
+                </a:solidFill>
+              </a:rPr>
               <a:t>플러그인</a:t>
             </a:r>
           </a:p>
@@ -3561,12 +3630,15 @@
         </p:nvSpPr>
         <p:spPr>
           <a:xfrm rot="10800000">
-            <a:off x="3600794" y="3627698"/>
+            <a:off x="5813907" y="3919246"/>
             <a:ext cx="263322" cy="749438"/>
           </a:xfrm>
           <a:prstGeom prst="downArrow">
             <a:avLst/>
           </a:prstGeom>
+          <a:solidFill>
+            <a:schemeClr val="bg1"/>
+          </a:solidFill>
         </p:spPr>
         <p:style>
           <a:lnRef idx="2">
@@ -3589,7 +3661,11 @@
           <a:lstStyle/>
           <a:p>
             <a:pPr algn="ctr"/>
-            <a:endParaRPr lang="ko-KR" altLang="en-US"/>
+            <a:endParaRPr lang="ko-KR" altLang="en-US">
+              <a:solidFill>
+                <a:schemeClr val="bg1"/>
+              </a:solidFill>
+            </a:endParaRPr>
           </a:p>
         </p:txBody>
       </p:sp>
@@ -3607,12 +3683,15 @@
         </p:nvSpPr>
         <p:spPr>
           <a:xfrm rot="13177881">
-            <a:off x="1508611" y="3625554"/>
+            <a:off x="3721724" y="3917102"/>
             <a:ext cx="263322" cy="749438"/>
           </a:xfrm>
           <a:prstGeom prst="downArrow">
             <a:avLst/>
           </a:prstGeom>
+          <a:solidFill>
+            <a:schemeClr val="bg1"/>
+          </a:solidFill>
         </p:spPr>
         <p:style>
           <a:lnRef idx="2">
@@ -3635,7 +3714,11 @@
           <a:lstStyle/>
           <a:p>
             <a:pPr algn="ctr"/>
-            <a:endParaRPr lang="ko-KR" altLang="en-US"/>
+            <a:endParaRPr lang="ko-KR" altLang="en-US">
+              <a:solidFill>
+                <a:schemeClr val="bg1"/>
+              </a:solidFill>
+            </a:endParaRPr>
           </a:p>
         </p:txBody>
       </p:sp>
@@ -3653,12 +3736,15 @@
         </p:nvSpPr>
         <p:spPr>
           <a:xfrm rot="8254239">
-            <a:off x="5702558" y="3616236"/>
+            <a:off x="7915671" y="3907784"/>
             <a:ext cx="263322" cy="749438"/>
           </a:xfrm>
           <a:prstGeom prst="downArrow">
             <a:avLst/>
           </a:prstGeom>
+          <a:solidFill>
+            <a:schemeClr val="bg1"/>
+          </a:solidFill>
         </p:spPr>
         <p:style>
           <a:lnRef idx="2">
@@ -3681,7 +3767,11 @@
           <a:lstStyle/>
           <a:p>
             <a:pPr algn="ctr"/>
-            <a:endParaRPr lang="ko-KR" altLang="en-US"/>
+            <a:endParaRPr lang="ko-KR" altLang="en-US">
+              <a:solidFill>
+                <a:schemeClr val="bg1"/>
+              </a:solidFill>
+            </a:endParaRPr>
           </a:p>
         </p:txBody>
       </p:sp>
@@ -3699,12 +3789,15 @@
         </p:nvSpPr>
         <p:spPr>
           <a:xfrm rot="10800000">
-            <a:off x="3588401" y="1492810"/>
+            <a:off x="5801514" y="1784358"/>
             <a:ext cx="263322" cy="749438"/>
           </a:xfrm>
           <a:prstGeom prst="downArrow">
             <a:avLst/>
           </a:prstGeom>
+          <a:solidFill>
+            <a:schemeClr val="bg1"/>
+          </a:solidFill>
         </p:spPr>
         <p:style>
           <a:lnRef idx="2">
@@ -3727,7 +3820,11 @@
           <a:lstStyle/>
           <a:p>
             <a:pPr algn="ctr"/>
-            <a:endParaRPr lang="ko-KR" altLang="en-US"/>
+            <a:endParaRPr lang="ko-KR" altLang="en-US">
+              <a:solidFill>
+                <a:schemeClr val="bg1"/>
+              </a:solidFill>
+            </a:endParaRPr>
           </a:p>
         </p:txBody>
       </p:sp>
@@ -4082,7 +4179,7 @@
             <a:pPr algn="ctr"/>
             <a:r>
               <a:rPr lang="en-US" altLang="ko-KR" sz="2000" dirty="0" err="1"/>
-              <a:t>minigames.json</a:t>
+              <a:t>minigames.yml</a:t>
             </a:r>
             <a:endParaRPr lang="en-US" altLang="ko-KR" sz="2000" dirty="0"/>
           </a:p>
@@ -4147,7 +4244,7 @@
             <a:pPr algn="ctr"/>
             <a:r>
               <a:rPr lang="en-US" altLang="ko-KR" sz="2000" dirty="0" err="1"/>
-              <a:t>setting.json</a:t>
+              <a:t>setting.yml</a:t>
             </a:r>
             <a:endParaRPr lang="en-US" altLang="ko-KR" sz="2000" dirty="0"/>
           </a:p>
@@ -4700,7 +4797,7 @@
         </p:nvSpPr>
         <p:spPr>
           <a:xfrm>
-            <a:off x="4441794" y="406149"/>
+            <a:off x="3761175" y="386157"/>
             <a:ext cx="2309673" cy="597397"/>
           </a:xfrm>
           <a:prstGeom prst="flowChartProcess">
@@ -4758,7 +4855,7 @@
         </p:nvSpPr>
         <p:spPr>
           <a:xfrm>
-            <a:off x="7096218" y="398383"/>
+            <a:off x="6223247" y="380160"/>
             <a:ext cx="1862830" cy="597397"/>
           </a:xfrm>
           <a:prstGeom prst="flowChartProcess">
@@ -4816,7 +4913,7 @@
         </p:nvSpPr>
         <p:spPr>
           <a:xfrm>
-            <a:off x="9303799" y="406148"/>
+            <a:off x="8205185" y="378230"/>
             <a:ext cx="2550849" cy="597397"/>
           </a:xfrm>
           <a:prstGeom prst="flowChartProcess">
@@ -5111,8 +5208,8 @@
         </p:nvCxnSpPr>
         <p:spPr>
           <a:xfrm rot="16200000" flipV="1">
-            <a:off x="6477281" y="122897"/>
-            <a:ext cx="669703" cy="2431002"/>
+            <a:off x="6126976" y="-227409"/>
+            <a:ext cx="689695" cy="3111621"/>
           </a:xfrm>
           <a:prstGeom prst="bentConnector3">
             <a:avLst>
@@ -5158,9 +5255,9 @@
           <p:nvPr/>
         </p:nvCxnSpPr>
         <p:spPr>
-          <a:xfrm rot="5400000" flipH="1" flipV="1">
-            <a:off x="7688899" y="1334515"/>
-            <a:ext cx="677469" cy="12700"/>
+          <a:xfrm rot="16200000" flipV="1">
+            <a:off x="7243302" y="888917"/>
+            <a:ext cx="695692" cy="872971"/>
           </a:xfrm>
           <a:prstGeom prst="bentConnector3">
             <a:avLst>
@@ -5207,8 +5304,8 @@
         </p:nvCxnSpPr>
         <p:spPr>
           <a:xfrm rot="5400000" flipH="1" flipV="1">
-            <a:off x="8968576" y="62602"/>
-            <a:ext cx="669704" cy="2551591"/>
+            <a:off x="8405310" y="597950"/>
+            <a:ext cx="697622" cy="1452977"/>
           </a:xfrm>
           <a:prstGeom prst="bentConnector3">
             <a:avLst>
@@ -5643,10 +5740,748 @@
           </a:fontRef>
         </p:style>
       </p:cxnSp>
+      <p:sp>
+        <p:nvSpPr>
+          <p:cNvPr id="35" name="Flowchart: Process 34">
+            <a:extLst>
+              <a:ext uri="{FF2B5EF4-FFF2-40B4-BE49-F238E27FC236}">
+                <a16:creationId xmlns:a16="http://schemas.microsoft.com/office/drawing/2014/main" id="{463258C7-2277-40B8-94F1-14852E7EF1C7}"/>
+              </a:ext>
+            </a:extLst>
+          </p:cNvPr>
+          <p:cNvSpPr/>
+          <p:nvPr/>
+        </p:nvSpPr>
+        <p:spPr>
+          <a:xfrm>
+            <a:off x="9641151" y="1180756"/>
+            <a:ext cx="2550849" cy="597397"/>
+          </a:xfrm>
+          <a:prstGeom prst="flowChartProcess">
+            <a:avLst/>
+          </a:prstGeom>
+          <a:solidFill>
+            <a:schemeClr val="tx1"/>
+          </a:solidFill>
+          <a:ln>
+            <a:solidFill>
+              <a:schemeClr val="bg1"/>
+            </a:solidFill>
+          </a:ln>
+        </p:spPr>
+        <p:style>
+          <a:lnRef idx="2">
+            <a:schemeClr val="accent1">
+              <a:shade val="50000"/>
+            </a:schemeClr>
+          </a:lnRef>
+          <a:fillRef idx="1">
+            <a:schemeClr val="accent1"/>
+          </a:fillRef>
+          <a:effectRef idx="0">
+            <a:schemeClr val="accent1"/>
+          </a:effectRef>
+          <a:fontRef idx="minor">
+            <a:schemeClr val="lt1"/>
+          </a:fontRef>
+        </p:style>
+        <p:txBody>
+          <a:bodyPr rtlCol="0" anchor="ctr"/>
+          <a:lstStyle/>
+          <a:p>
+            <a:pPr algn="ctr"/>
+            <a:r>
+              <a:rPr lang="en-US" altLang="ko-KR" sz="2000" b="1" dirty="0" err="1"/>
+              <a:t>PlayerInvManager</a:t>
+            </a:r>
+            <a:endParaRPr lang="en-US" altLang="ko-KR" sz="2000" b="1" dirty="0"/>
+          </a:p>
+        </p:txBody>
+      </p:sp>
+      <p:cxnSp>
+        <p:nvCxnSpPr>
+          <p:cNvPr id="40" name="Connector: Elbow 39">
+            <a:extLst>
+              <a:ext uri="{FF2B5EF4-FFF2-40B4-BE49-F238E27FC236}">
+                <a16:creationId xmlns:a16="http://schemas.microsoft.com/office/drawing/2014/main" id="{B9CA8C0B-537C-4DC8-B967-244AD46FD7D4}"/>
+              </a:ext>
+            </a:extLst>
+          </p:cNvPr>
+          <p:cNvCxnSpPr>
+            <a:cxnSpLocks/>
+            <a:stCxn id="11" idx="3"/>
+            <a:endCxn id="35" idx="1"/>
+          </p:cNvCxnSpPr>
+          <p:nvPr/>
+        </p:nvCxnSpPr>
+        <p:spPr>
+          <a:xfrm flipV="1">
+            <a:off x="9363722" y="1479455"/>
+            <a:ext cx="277429" cy="572759"/>
+          </a:xfrm>
+          <a:prstGeom prst="bentConnector3">
+            <a:avLst>
+              <a:gd name="adj1" fmla="val 50000"/>
+            </a:avLst>
+          </a:prstGeom>
+          <a:ln w="57150">
+            <a:solidFill>
+              <a:schemeClr val="bg1"/>
+            </a:solidFill>
+            <a:tailEnd type="triangle"/>
+          </a:ln>
+        </p:spPr>
+        <p:style>
+          <a:lnRef idx="1">
+            <a:schemeClr val="accent1"/>
+          </a:lnRef>
+          <a:fillRef idx="0">
+            <a:schemeClr val="accent1"/>
+          </a:fillRef>
+          <a:effectRef idx="0">
+            <a:schemeClr val="accent1"/>
+          </a:effectRef>
+          <a:fontRef idx="minor">
+            <a:schemeClr val="tx1"/>
+          </a:fontRef>
+        </p:style>
+      </p:cxnSp>
     </p:spTree>
     <p:extLst>
       <p:ext uri="{BB962C8B-B14F-4D97-AF65-F5344CB8AC3E}">
         <p14:creationId xmlns:p14="http://schemas.microsoft.com/office/powerpoint/2010/main" val="2188836236"/>
+      </p:ext>
+    </p:extLst>
+  </p:cSld>
+  <p:clrMapOvr>
+    <a:masterClrMapping/>
+  </p:clrMapOvr>
+</p:sld>
+</file>
+
+<file path=ppt/slides/slide3.xml><?xml version="1.0" encoding="utf-8"?>
+<p:sld xmlns:a="http://schemas.openxmlformats.org/drawingml/2006/main" xmlns:r="http://schemas.openxmlformats.org/officeDocument/2006/relationships" xmlns:p="http://schemas.openxmlformats.org/presentationml/2006/main">
+  <p:cSld>
+    <p:bg>
+      <p:bgPr>
+        <a:solidFill>
+          <a:schemeClr val="tx1"/>
+        </a:solidFill>
+        <a:effectLst/>
+      </p:bgPr>
+    </p:bg>
+    <p:spTree>
+      <p:nvGrpSpPr>
+        <p:cNvPr id="1" name=""/>
+        <p:cNvGrpSpPr/>
+        <p:nvPr/>
+      </p:nvGrpSpPr>
+      <p:grpSpPr>
+        <a:xfrm>
+          <a:off x="0" y="0"/>
+          <a:ext cx="0" cy="0"/>
+          <a:chOff x="0" y="0"/>
+          <a:chExt cx="0" cy="0"/>
+        </a:xfrm>
+      </p:grpSpPr>
+      <p:sp>
+        <p:nvSpPr>
+          <p:cNvPr id="4" name="Flowchart: Process 3">
+            <a:extLst>
+              <a:ext uri="{FF2B5EF4-FFF2-40B4-BE49-F238E27FC236}">
+                <a16:creationId xmlns:a16="http://schemas.microsoft.com/office/drawing/2014/main" id="{DFC31FE3-D572-462F-A675-5724AC81AF7B}"/>
+              </a:ext>
+            </a:extLst>
+          </p:cNvPr>
+          <p:cNvSpPr/>
+          <p:nvPr/>
+        </p:nvSpPr>
+        <p:spPr>
+          <a:xfrm>
+            <a:off x="4704521" y="3879949"/>
+            <a:ext cx="3021496" cy="2100745"/>
+          </a:xfrm>
+          <a:prstGeom prst="flowChartProcess">
+            <a:avLst/>
+          </a:prstGeom>
+          <a:solidFill>
+            <a:schemeClr val="tx1"/>
+          </a:solidFill>
+          <a:ln>
+            <a:solidFill>
+              <a:schemeClr val="bg1"/>
+            </a:solidFill>
+          </a:ln>
+        </p:spPr>
+        <p:style>
+          <a:lnRef idx="2">
+            <a:schemeClr val="accent1">
+              <a:shade val="50000"/>
+            </a:schemeClr>
+          </a:lnRef>
+          <a:fillRef idx="1">
+            <a:schemeClr val="accent1"/>
+          </a:fillRef>
+          <a:effectRef idx="0">
+            <a:schemeClr val="accent1"/>
+          </a:effectRef>
+          <a:fontRef idx="minor">
+            <a:schemeClr val="lt1"/>
+          </a:fontRef>
+        </p:style>
+        <p:txBody>
+          <a:bodyPr rtlCol="0" anchor="ctr"/>
+          <a:lstStyle/>
+          <a:p>
+            <a:pPr algn="ctr"/>
+            <a:r>
+              <a:rPr lang="en-US" altLang="ko-KR" b="1" dirty="0"/>
+              <a:t>&lt;API&gt;</a:t>
+            </a:r>
+          </a:p>
+          <a:p>
+            <a:pPr algn="ctr"/>
+            <a:r>
+              <a:rPr lang="en-US" altLang="ko-KR" sz="2000" b="1" dirty="0" err="1"/>
+              <a:t>MiniGameAccessor</a:t>
+            </a:r>
+            <a:endParaRPr lang="en-US" altLang="ko-KR" sz="2000" b="1" dirty="0"/>
+          </a:p>
+          <a:p>
+            <a:pPr algn="ctr"/>
+            <a:r>
+              <a:rPr lang="en-US" altLang="ko-KR" sz="2000" dirty="0" err="1"/>
+              <a:t>getTitle</a:t>
+            </a:r>
+            <a:r>
+              <a:rPr lang="en-US" altLang="ko-KR" sz="2000" dirty="0"/>
+              <a:t>();</a:t>
+            </a:r>
+          </a:p>
+          <a:p>
+            <a:pPr algn="ctr"/>
+            <a:r>
+              <a:rPr lang="en-US" altLang="ko-KR" sz="2000" dirty="0" err="1"/>
+              <a:t>getPlayers</a:t>
+            </a:r>
+            <a:r>
+              <a:rPr lang="en-US" altLang="ko-KR" sz="2000" dirty="0"/>
+              <a:t>();</a:t>
+            </a:r>
+          </a:p>
+          <a:p>
+            <a:pPr algn="ctr"/>
+            <a:r>
+              <a:rPr lang="en-US" altLang="ko-KR" sz="2000" dirty="0" err="1"/>
+              <a:t>getPlayerScore</a:t>
+            </a:r>
+            <a:r>
+              <a:rPr lang="en-US" altLang="ko-KR" sz="2000" dirty="0"/>
+              <a:t>();</a:t>
+            </a:r>
+          </a:p>
+          <a:p>
+            <a:pPr algn="ctr"/>
+            <a:r>
+              <a:rPr lang="en-US" altLang="ko-KR" sz="2000" dirty="0" err="1"/>
+              <a:t>isActive</a:t>
+            </a:r>
+            <a:r>
+              <a:rPr lang="en-US" altLang="ko-KR" sz="2000" dirty="0"/>
+              <a:t>();</a:t>
+            </a:r>
+          </a:p>
+        </p:txBody>
+      </p:sp>
+      <p:sp>
+        <p:nvSpPr>
+          <p:cNvPr id="5" name="Flowchart: Process 4">
+            <a:extLst>
+              <a:ext uri="{FF2B5EF4-FFF2-40B4-BE49-F238E27FC236}">
+                <a16:creationId xmlns:a16="http://schemas.microsoft.com/office/drawing/2014/main" id="{FE987AA8-DF58-43F5-BC09-E82E0C4FF8E9}"/>
+              </a:ext>
+            </a:extLst>
+          </p:cNvPr>
+          <p:cNvSpPr/>
+          <p:nvPr/>
+        </p:nvSpPr>
+        <p:spPr>
+          <a:xfrm>
+            <a:off x="4704521" y="1172542"/>
+            <a:ext cx="3021496" cy="2100745"/>
+          </a:xfrm>
+          <a:prstGeom prst="flowChartProcess">
+            <a:avLst/>
+          </a:prstGeom>
+          <a:solidFill>
+            <a:schemeClr val="tx1"/>
+          </a:solidFill>
+          <a:ln>
+            <a:solidFill>
+              <a:schemeClr val="bg1"/>
+            </a:solidFill>
+          </a:ln>
+        </p:spPr>
+        <p:style>
+          <a:lnRef idx="2">
+            <a:schemeClr val="accent1">
+              <a:shade val="50000"/>
+            </a:schemeClr>
+          </a:lnRef>
+          <a:fillRef idx="1">
+            <a:schemeClr val="accent1"/>
+          </a:fillRef>
+          <a:effectRef idx="0">
+            <a:schemeClr val="accent1"/>
+          </a:effectRef>
+          <a:fontRef idx="minor">
+            <a:schemeClr val="lt1"/>
+          </a:fontRef>
+        </p:style>
+        <p:txBody>
+          <a:bodyPr rtlCol="0" anchor="ctr"/>
+          <a:lstStyle/>
+          <a:p>
+            <a:pPr algn="ctr"/>
+            <a:r>
+              <a:rPr lang="en-US" altLang="ko-KR" b="1" dirty="0"/>
+              <a:t>&lt;API&gt;</a:t>
+            </a:r>
+          </a:p>
+          <a:p>
+            <a:pPr algn="ctr"/>
+            <a:r>
+              <a:rPr lang="en-US" altLang="ko-KR" sz="2000" b="1" dirty="0" err="1"/>
+              <a:t>MiniGameMaker</a:t>
+            </a:r>
+            <a:endParaRPr lang="en-US" altLang="ko-KR" sz="2000" b="1" dirty="0"/>
+          </a:p>
+          <a:p>
+            <a:pPr algn="ctr"/>
+            <a:r>
+              <a:rPr lang="en-US" altLang="ko-KR" sz="2000" dirty="0" err="1"/>
+              <a:t>registerMiniGame</a:t>
+            </a:r>
+            <a:r>
+              <a:rPr lang="en-US" altLang="ko-KR" sz="2000" dirty="0"/>
+              <a:t>();</a:t>
+            </a:r>
+          </a:p>
+          <a:p>
+            <a:pPr algn="ctr"/>
+            <a:r>
+              <a:rPr lang="en-US" altLang="ko-KR" sz="2000" dirty="0" err="1"/>
+              <a:t>getMiniGameList</a:t>
+            </a:r>
+            <a:r>
+              <a:rPr lang="en-US" altLang="ko-KR" sz="2000" dirty="0"/>
+              <a:t>();</a:t>
+            </a:r>
+          </a:p>
+          <a:p>
+            <a:pPr algn="ctr"/>
+            <a:r>
+              <a:rPr lang="en-US" altLang="ko-KR" sz="2000" dirty="0" err="1"/>
+              <a:t>joinGame</a:t>
+            </a:r>
+            <a:r>
+              <a:rPr lang="en-US" altLang="ko-KR" sz="2000" dirty="0"/>
+              <a:t>();</a:t>
+            </a:r>
+          </a:p>
+          <a:p>
+            <a:pPr algn="ctr"/>
+            <a:r>
+              <a:rPr lang="en-US" altLang="ko-KR" sz="2000" dirty="0" err="1"/>
+              <a:t>leaveGame</a:t>
+            </a:r>
+            <a:r>
+              <a:rPr lang="en-US" altLang="ko-KR" sz="2000" dirty="0"/>
+              <a:t>();</a:t>
+            </a:r>
+          </a:p>
+        </p:txBody>
+      </p:sp>
+      <p:cxnSp>
+        <p:nvCxnSpPr>
+          <p:cNvPr id="6" name="Connector: Elbow 5">
+            <a:extLst>
+              <a:ext uri="{FF2B5EF4-FFF2-40B4-BE49-F238E27FC236}">
+                <a16:creationId xmlns:a16="http://schemas.microsoft.com/office/drawing/2014/main" id="{17EEB412-2D9A-4E17-A370-86B5632856BE}"/>
+              </a:ext>
+            </a:extLst>
+          </p:cNvPr>
+          <p:cNvCxnSpPr>
+            <a:cxnSpLocks/>
+            <a:stCxn id="16" idx="2"/>
+            <a:endCxn id="5" idx="1"/>
+          </p:cNvCxnSpPr>
+          <p:nvPr/>
+        </p:nvCxnSpPr>
+        <p:spPr>
+          <a:xfrm rot="16200000" flipH="1">
+            <a:off x="2792363" y="310756"/>
+            <a:ext cx="1013011" cy="2811305"/>
+          </a:xfrm>
+          <a:prstGeom prst="bentConnector2">
+            <a:avLst/>
+          </a:prstGeom>
+          <a:ln w="57150">
+            <a:solidFill>
+              <a:schemeClr val="bg1"/>
+            </a:solidFill>
+            <a:tailEnd type="triangle"/>
+          </a:ln>
+        </p:spPr>
+        <p:style>
+          <a:lnRef idx="1">
+            <a:schemeClr val="accent1"/>
+          </a:lnRef>
+          <a:fillRef idx="0">
+            <a:schemeClr val="accent1"/>
+          </a:fillRef>
+          <a:effectRef idx="0">
+            <a:schemeClr val="accent1"/>
+          </a:effectRef>
+          <a:fontRef idx="minor">
+            <a:schemeClr val="tx1"/>
+          </a:fontRef>
+        </p:style>
+      </p:cxnSp>
+      <p:cxnSp>
+        <p:nvCxnSpPr>
+          <p:cNvPr id="7" name="Connector: Elbow 6">
+            <a:extLst>
+              <a:ext uri="{FF2B5EF4-FFF2-40B4-BE49-F238E27FC236}">
+                <a16:creationId xmlns:a16="http://schemas.microsoft.com/office/drawing/2014/main" id="{03DE64FC-84A7-4EF0-B003-0BDE85AF1E20}"/>
+              </a:ext>
+            </a:extLst>
+          </p:cNvPr>
+          <p:cNvCxnSpPr>
+            <a:cxnSpLocks/>
+            <a:stCxn id="4" idx="0"/>
+            <a:endCxn id="5" idx="2"/>
+          </p:cNvCxnSpPr>
+          <p:nvPr/>
+        </p:nvCxnSpPr>
+        <p:spPr>
+          <a:xfrm rot="5400000" flipH="1" flipV="1">
+            <a:off x="5911938" y="3576618"/>
+            <a:ext cx="606662" cy="12700"/>
+          </a:xfrm>
+          <a:prstGeom prst="bentConnector3">
+            <a:avLst>
+              <a:gd name="adj1" fmla="val 50000"/>
+            </a:avLst>
+          </a:prstGeom>
+          <a:ln w="57150">
+            <a:solidFill>
+              <a:schemeClr val="bg1"/>
+            </a:solidFill>
+            <a:tailEnd type="none"/>
+          </a:ln>
+        </p:spPr>
+        <p:style>
+          <a:lnRef idx="1">
+            <a:schemeClr val="accent1"/>
+          </a:lnRef>
+          <a:fillRef idx="0">
+            <a:schemeClr val="accent1"/>
+          </a:fillRef>
+          <a:effectRef idx="0">
+            <a:schemeClr val="accent1"/>
+          </a:effectRef>
+          <a:fontRef idx="minor">
+            <a:schemeClr val="tx1"/>
+          </a:fontRef>
+        </p:style>
+      </p:cxnSp>
+      <p:sp>
+        <p:nvSpPr>
+          <p:cNvPr id="12" name="Flowchart: Process 11">
+            <a:extLst>
+              <a:ext uri="{FF2B5EF4-FFF2-40B4-BE49-F238E27FC236}">
+                <a16:creationId xmlns:a16="http://schemas.microsoft.com/office/drawing/2014/main" id="{55442558-378F-4F2E-9045-D0905D598AE8}"/>
+              </a:ext>
+            </a:extLst>
+          </p:cNvPr>
+          <p:cNvSpPr/>
+          <p:nvPr/>
+        </p:nvSpPr>
+        <p:spPr>
+          <a:xfrm>
+            <a:off x="8401878" y="-172279"/>
+            <a:ext cx="3790122" cy="7248939"/>
+          </a:xfrm>
+          <a:prstGeom prst="flowChartProcess">
+            <a:avLst/>
+          </a:prstGeom>
+          <a:solidFill>
+            <a:schemeClr val="tx1"/>
+          </a:solidFill>
+          <a:ln>
+            <a:solidFill>
+              <a:schemeClr val="bg1"/>
+            </a:solidFill>
+          </a:ln>
+        </p:spPr>
+        <p:style>
+          <a:lnRef idx="2">
+            <a:schemeClr val="accent1">
+              <a:shade val="50000"/>
+            </a:schemeClr>
+          </a:lnRef>
+          <a:fillRef idx="1">
+            <a:schemeClr val="accent1"/>
+          </a:fillRef>
+          <a:effectRef idx="0">
+            <a:schemeClr val="accent1"/>
+          </a:effectRef>
+          <a:fontRef idx="minor">
+            <a:schemeClr val="lt1"/>
+          </a:fontRef>
+        </p:style>
+        <p:txBody>
+          <a:bodyPr rtlCol="0" anchor="ctr"/>
+          <a:lstStyle/>
+          <a:p>
+            <a:pPr algn="ctr"/>
+            <a:r>
+              <a:rPr lang="en-US" altLang="ko-KR" sz="7200" b="1" dirty="0"/>
+              <a:t>Mini</a:t>
+            </a:r>
+          </a:p>
+          <a:p>
+            <a:pPr algn="ctr"/>
+            <a:r>
+              <a:rPr lang="en-US" altLang="ko-KR" sz="7200" b="1" dirty="0"/>
+              <a:t>Game</a:t>
+            </a:r>
+          </a:p>
+          <a:p>
+            <a:pPr algn="ctr"/>
+            <a:r>
+              <a:rPr lang="en-US" altLang="ko-KR" sz="7200" b="1" dirty="0"/>
+              <a:t>Maker</a:t>
+            </a:r>
+          </a:p>
+          <a:p>
+            <a:pPr algn="ctr"/>
+            <a:endParaRPr lang="en-US" altLang="ko-KR" sz="7200" b="1" dirty="0"/>
+          </a:p>
+        </p:txBody>
+      </p:sp>
+      <p:cxnSp>
+        <p:nvCxnSpPr>
+          <p:cNvPr id="13" name="Connector: Elbow 12">
+            <a:extLst>
+              <a:ext uri="{FF2B5EF4-FFF2-40B4-BE49-F238E27FC236}">
+                <a16:creationId xmlns:a16="http://schemas.microsoft.com/office/drawing/2014/main" id="{8B43D6AB-7837-43CD-A29C-8E6F3F78C56D}"/>
+              </a:ext>
+            </a:extLst>
+          </p:cNvPr>
+          <p:cNvCxnSpPr>
+            <a:cxnSpLocks/>
+            <a:stCxn id="5" idx="3"/>
+            <a:endCxn id="12" idx="1"/>
+          </p:cNvCxnSpPr>
+          <p:nvPr/>
+        </p:nvCxnSpPr>
+        <p:spPr>
+          <a:xfrm>
+            <a:off x="7726017" y="2222915"/>
+            <a:ext cx="675861" cy="1229276"/>
+          </a:xfrm>
+          <a:prstGeom prst="bentConnector3">
+            <a:avLst/>
+          </a:prstGeom>
+          <a:ln w="57150">
+            <a:solidFill>
+              <a:schemeClr val="bg1"/>
+            </a:solidFill>
+            <a:tailEnd type="triangle"/>
+          </a:ln>
+        </p:spPr>
+        <p:style>
+          <a:lnRef idx="1">
+            <a:schemeClr val="accent1"/>
+          </a:lnRef>
+          <a:fillRef idx="0">
+            <a:schemeClr val="accent1"/>
+          </a:fillRef>
+          <a:effectRef idx="0">
+            <a:schemeClr val="accent1"/>
+          </a:effectRef>
+          <a:fontRef idx="minor">
+            <a:schemeClr val="tx1"/>
+          </a:fontRef>
+        </p:style>
+      </p:cxnSp>
+      <p:sp>
+        <p:nvSpPr>
+          <p:cNvPr id="16" name="Flowchart: Process 15">
+            <a:extLst>
+              <a:ext uri="{FF2B5EF4-FFF2-40B4-BE49-F238E27FC236}">
+                <a16:creationId xmlns:a16="http://schemas.microsoft.com/office/drawing/2014/main" id="{12908CDB-42CB-4A4B-92BF-F6696789AB66}"/>
+              </a:ext>
+            </a:extLst>
+          </p:cNvPr>
+          <p:cNvSpPr/>
+          <p:nvPr/>
+        </p:nvSpPr>
+        <p:spPr>
+          <a:xfrm>
+            <a:off x="535672" y="479941"/>
+            <a:ext cx="2715088" cy="729963"/>
+          </a:xfrm>
+          <a:prstGeom prst="flowChartProcess">
+            <a:avLst/>
+          </a:prstGeom>
+          <a:solidFill>
+            <a:schemeClr val="tx1"/>
+          </a:solidFill>
+          <a:ln>
+            <a:solidFill>
+              <a:schemeClr val="bg1"/>
+            </a:solidFill>
+          </a:ln>
+        </p:spPr>
+        <p:style>
+          <a:lnRef idx="2">
+            <a:schemeClr val="accent1">
+              <a:shade val="50000"/>
+            </a:schemeClr>
+          </a:lnRef>
+          <a:fillRef idx="1">
+            <a:schemeClr val="accent1"/>
+          </a:fillRef>
+          <a:effectRef idx="0">
+            <a:schemeClr val="accent1"/>
+          </a:effectRef>
+          <a:fontRef idx="minor">
+            <a:schemeClr val="lt1"/>
+          </a:fontRef>
+        </p:style>
+        <p:txBody>
+          <a:bodyPr rtlCol="0" anchor="ctr"/>
+          <a:lstStyle/>
+          <a:p>
+            <a:pPr algn="ctr"/>
+            <a:r>
+              <a:rPr lang="en-US" altLang="ko-KR" sz="2000" b="1" dirty="0" err="1"/>
+              <a:t>ExampleMiniGame</a:t>
+            </a:r>
+            <a:endParaRPr lang="en-US" altLang="ko-KR" sz="2000" dirty="0"/>
+          </a:p>
+        </p:txBody>
+      </p:sp>
+      <p:sp>
+        <p:nvSpPr>
+          <p:cNvPr id="17" name="Flowchart: Process 16">
+            <a:extLst>
+              <a:ext uri="{FF2B5EF4-FFF2-40B4-BE49-F238E27FC236}">
+                <a16:creationId xmlns:a16="http://schemas.microsoft.com/office/drawing/2014/main" id="{EE5F4CC8-31E9-46CD-91CA-1DA2D5CD441D}"/>
+              </a:ext>
+            </a:extLst>
+          </p:cNvPr>
+          <p:cNvSpPr/>
+          <p:nvPr/>
+        </p:nvSpPr>
+        <p:spPr>
+          <a:xfrm>
+            <a:off x="535671" y="3064018"/>
+            <a:ext cx="2715088" cy="729963"/>
+          </a:xfrm>
+          <a:prstGeom prst="flowChartProcess">
+            <a:avLst/>
+          </a:prstGeom>
+          <a:solidFill>
+            <a:schemeClr val="tx1"/>
+          </a:solidFill>
+          <a:ln>
+            <a:solidFill>
+              <a:schemeClr val="bg1"/>
+            </a:solidFill>
+          </a:ln>
+        </p:spPr>
+        <p:style>
+          <a:lnRef idx="2">
+            <a:schemeClr val="accent1">
+              <a:shade val="50000"/>
+            </a:schemeClr>
+          </a:lnRef>
+          <a:fillRef idx="1">
+            <a:schemeClr val="accent1"/>
+          </a:fillRef>
+          <a:effectRef idx="0">
+            <a:schemeClr val="accent1"/>
+          </a:effectRef>
+          <a:fontRef idx="minor">
+            <a:schemeClr val="lt1"/>
+          </a:fontRef>
+        </p:style>
+        <p:txBody>
+          <a:bodyPr rtlCol="0" anchor="ctr"/>
+          <a:lstStyle/>
+          <a:p>
+            <a:pPr algn="ctr"/>
+            <a:r>
+              <a:rPr lang="en-US" altLang="ko-KR" sz="2000" b="1" dirty="0"/>
+              <a:t>3rd-party Plugin</a:t>
+            </a:r>
+          </a:p>
+        </p:txBody>
+      </p:sp>
+      <p:cxnSp>
+        <p:nvCxnSpPr>
+          <p:cNvPr id="18" name="Connector: Elbow 17">
+            <a:extLst>
+              <a:ext uri="{FF2B5EF4-FFF2-40B4-BE49-F238E27FC236}">
+                <a16:creationId xmlns:a16="http://schemas.microsoft.com/office/drawing/2014/main" id="{3BFD1CB1-D517-4C1E-B9C1-64B41F32FDB7}"/>
+              </a:ext>
+            </a:extLst>
+          </p:cNvPr>
+          <p:cNvCxnSpPr>
+            <a:cxnSpLocks/>
+            <a:stCxn id="17" idx="0"/>
+            <a:endCxn id="5" idx="1"/>
+          </p:cNvCxnSpPr>
+          <p:nvPr/>
+        </p:nvCxnSpPr>
+        <p:spPr>
+          <a:xfrm rot="5400000" flipH="1" flipV="1">
+            <a:off x="2878317" y="1237814"/>
+            <a:ext cx="841103" cy="2811306"/>
+          </a:xfrm>
+          <a:prstGeom prst="bentConnector2">
+            <a:avLst/>
+          </a:prstGeom>
+          <a:ln w="57150">
+            <a:solidFill>
+              <a:schemeClr val="bg1"/>
+            </a:solidFill>
+            <a:tailEnd type="triangle"/>
+          </a:ln>
+        </p:spPr>
+        <p:style>
+          <a:lnRef idx="1">
+            <a:schemeClr val="accent1"/>
+          </a:lnRef>
+          <a:fillRef idx="0">
+            <a:schemeClr val="accent1"/>
+          </a:fillRef>
+          <a:effectRef idx="0">
+            <a:schemeClr val="accent1"/>
+          </a:effectRef>
+          <a:fontRef idx="minor">
+            <a:schemeClr val="tx1"/>
+          </a:fontRef>
+        </p:style>
+      </p:cxnSp>
+    </p:spTree>
+    <p:extLst>
+      <p:ext uri="{BB962C8B-B14F-4D97-AF65-F5344CB8AC3E}">
+        <p14:creationId xmlns:p14="http://schemas.microsoft.com/office/powerpoint/2010/main" val="1081280894"/>
       </p:ext>
     </p:extLst>
   </p:cSld>
